--- a/reference_content/Slides/Bayes.pptx
+++ b/reference_content/Slides/Bayes.pptx
@@ -5,16 +5,27 @@
     <p:sldMasterId id="2147483660" r:id="rId1"/>
   </p:sldMasterIdLst>
   <p:sldIdLst>
-    <p:sldId id="256" r:id="rId2"/>
-    <p:sldId id="257" r:id="rId3"/>
-    <p:sldId id="258" r:id="rId4"/>
-    <p:sldId id="259" r:id="rId5"/>
-    <p:sldId id="260" r:id="rId6"/>
-    <p:sldId id="261" r:id="rId7"/>
-    <p:sldId id="262" r:id="rId8"/>
-    <p:sldId id="263" r:id="rId9"/>
-    <p:sldId id="264" r:id="rId10"/>
-    <p:sldId id="265" r:id="rId11"/>
+    <p:sldId id="273" r:id="rId2"/>
+    <p:sldId id="274" r:id="rId3"/>
+    <p:sldId id="275" r:id="rId4"/>
+    <p:sldId id="276" r:id="rId5"/>
+    <p:sldId id="270" r:id="rId6"/>
+    <p:sldId id="271" r:id="rId7"/>
+    <p:sldId id="256" r:id="rId8"/>
+    <p:sldId id="266" r:id="rId9"/>
+    <p:sldId id="268" r:id="rId10"/>
+    <p:sldId id="267" r:id="rId11"/>
+    <p:sldId id="269" r:id="rId12"/>
+    <p:sldId id="272" r:id="rId13"/>
+    <p:sldId id="257" r:id="rId14"/>
+    <p:sldId id="258" r:id="rId15"/>
+    <p:sldId id="259" r:id="rId16"/>
+    <p:sldId id="260" r:id="rId17"/>
+    <p:sldId id="261" r:id="rId18"/>
+    <p:sldId id="262" r:id="rId19"/>
+    <p:sldId id="263" r:id="rId20"/>
+    <p:sldId id="264" r:id="rId21"/>
+    <p:sldId id="265" r:id="rId22"/>
   </p:sldIdLst>
   <p:sldSz cx="12192000" cy="6858000"/>
   <p:notesSz cx="6858000" cy="9144000"/>
@@ -113,6 +124,52 @@
       </a:defRPr>
     </a:lvl9pPr>
   </p:defaultTextStyle>
+  <p:extLst>
+    <p:ext uri="{521415D9-36F7-43E2-AB2F-B90AF26B5E84}">
+      <p14:sectionLst xmlns:p14="http://schemas.microsoft.com/office/powerpoint/2010/main">
+        <p14:section name="Default Section" id="{B68BA21F-7F32-4540-9208-09D77F5B03BA}">
+          <p14:sldIdLst>
+            <p14:sldId id="273"/>
+          </p14:sldIdLst>
+        </p14:section>
+        <p14:section name="Weird Charts" id="{2AEAC93D-C99C-1047-830D-43486A067398}">
+          <p14:sldIdLst>
+            <p14:sldId id="274"/>
+            <p14:sldId id="275"/>
+            <p14:sldId id="276"/>
+          </p14:sldIdLst>
+        </p14:section>
+        <p14:section name="Review" id="{C7432C32-F37E-7249-B88B-001A7073A27F}">
+          <p14:sldIdLst>
+            <p14:sldId id="270"/>
+            <p14:sldId id="271"/>
+            <p14:sldId id="256"/>
+            <p14:sldId id="266"/>
+            <p14:sldId id="268"/>
+            <p14:sldId id="267"/>
+            <p14:sldId id="269"/>
+            <p14:sldId id="272"/>
+          </p14:sldIdLst>
+        </p14:section>
+        <p14:section name="Bayes" id="{1EE95CFD-4D78-9A43-80C9-00F166D1574B}">
+          <p14:sldIdLst>
+            <p14:sldId id="257"/>
+            <p14:sldId id="258"/>
+            <p14:sldId id="259"/>
+            <p14:sldId id="260"/>
+            <p14:sldId id="261"/>
+            <p14:sldId id="262"/>
+            <p14:sldId id="263"/>
+            <p14:sldId id="264"/>
+            <p14:sldId id="265"/>
+          </p14:sldIdLst>
+        </p14:section>
+      </p14:sectionLst>
+    </p:ext>
+    <p:ext uri="{EFAFB233-063F-42B5-8137-9DF3F51BA10A}">
+      <p15:sldGuideLst xmlns:p15="http://schemas.microsoft.com/office/powerpoint/2012/main"/>
+    </p:ext>
+  </p:extLst>
 </p:presentation>
 </file>
 
@@ -255,7 +312,7 @@
           <a:p>
             <a:fld id="{FCB230E0-7B2D-6541-9101-3722104B4ABF}" type="datetimeFigureOut">
               <a:rPr lang="en-US" smtClean="0"/>
-              <a:t>3/6/22</a:t>
+              <a:t>12/1/25</a:t>
             </a:fld>
             <a:endParaRPr lang="en-US"/>
           </a:p>
@@ -466,7 +523,7 @@
           <a:p>
             <a:fld id="{FCB230E0-7B2D-6541-9101-3722104B4ABF}" type="datetimeFigureOut">
               <a:rPr lang="en-US" smtClean="0"/>
-              <a:t>3/6/22</a:t>
+              <a:t>12/1/25</a:t>
             </a:fld>
             <a:endParaRPr lang="en-US"/>
           </a:p>
@@ -681,7 +738,7 @@
           <a:p>
             <a:fld id="{FCB230E0-7B2D-6541-9101-3722104B4ABF}" type="datetimeFigureOut">
               <a:rPr lang="en-US" smtClean="0"/>
-              <a:t>3/6/22</a:t>
+              <a:t>12/1/25</a:t>
             </a:fld>
             <a:endParaRPr lang="en-US"/>
           </a:p>
@@ -882,7 +939,7 @@
           <a:p>
             <a:fld id="{FCB230E0-7B2D-6541-9101-3722104B4ABF}" type="datetimeFigureOut">
               <a:rPr lang="en-US" smtClean="0"/>
-              <a:t>3/6/22</a:t>
+              <a:t>12/1/25</a:t>
             </a:fld>
             <a:endParaRPr lang="en-US"/>
           </a:p>
@@ -1161,7 +1218,7 @@
           <a:p>
             <a:fld id="{FCB230E0-7B2D-6541-9101-3722104B4ABF}" type="datetimeFigureOut">
               <a:rPr lang="en-US" smtClean="0"/>
-              <a:t>3/6/22</a:t>
+              <a:t>12/1/25</a:t>
             </a:fld>
             <a:endParaRPr lang="en-US"/>
           </a:p>
@@ -1429,7 +1486,7 @@
           <a:p>
             <a:fld id="{FCB230E0-7B2D-6541-9101-3722104B4ABF}" type="datetimeFigureOut">
               <a:rPr lang="en-US" smtClean="0"/>
-              <a:t>3/6/22</a:t>
+              <a:t>12/1/25</a:t>
             </a:fld>
             <a:endParaRPr lang="en-US"/>
           </a:p>
@@ -1845,7 +1902,7 @@
           <a:p>
             <a:fld id="{FCB230E0-7B2D-6541-9101-3722104B4ABF}" type="datetimeFigureOut">
               <a:rPr lang="en-US" smtClean="0"/>
-              <a:t>3/6/22</a:t>
+              <a:t>12/1/25</a:t>
             </a:fld>
             <a:endParaRPr lang="en-US"/>
           </a:p>
@@ -1994,7 +2051,7 @@
           <a:p>
             <a:fld id="{FCB230E0-7B2D-6541-9101-3722104B4ABF}" type="datetimeFigureOut">
               <a:rPr lang="en-US" smtClean="0"/>
-              <a:t>3/6/22</a:t>
+              <a:t>12/1/25</a:t>
             </a:fld>
             <a:endParaRPr lang="en-US"/>
           </a:p>
@@ -2120,7 +2177,7 @@
           <a:p>
             <a:fld id="{FCB230E0-7B2D-6541-9101-3722104B4ABF}" type="datetimeFigureOut">
               <a:rPr lang="en-US" smtClean="0"/>
-              <a:t>3/6/22</a:t>
+              <a:t>12/1/25</a:t>
             </a:fld>
             <a:endParaRPr lang="en-US"/>
           </a:p>
@@ -2371,7 +2428,7 @@
           <a:p>
             <a:fld id="{FCB230E0-7B2D-6541-9101-3722104B4ABF}" type="datetimeFigureOut">
               <a:rPr lang="en-US" smtClean="0"/>
-              <a:t>3/6/22</a:t>
+              <a:t>12/1/25</a:t>
             </a:fld>
             <a:endParaRPr lang="en-US"/>
           </a:p>
@@ -2816,7 +2873,7 @@
           <a:p>
             <a:fld id="{FCB230E0-7B2D-6541-9101-3722104B4ABF}" type="datetimeFigureOut">
               <a:rPr lang="en-US" smtClean="0"/>
-              <a:t>3/6/22</a:t>
+              <a:t>12/1/25</a:t>
             </a:fld>
             <a:endParaRPr lang="en-US"/>
           </a:p>
@@ -2983,6 +3040,13 @@
             <a:schemeClr val="lt1"/>
           </a:fontRef>
         </p:style>
+        <p:txBody>
+          <a:bodyPr/>
+          <a:lstStyle/>
+          <a:p>
+            <a:endParaRPr lang="en-US"/>
+          </a:p>
+        </p:txBody>
       </p:sp>
       <p:pic>
         <p:nvPicPr>
@@ -3143,7 +3207,7 @@
           <a:p>
             <a:fld id="{FCB230E0-7B2D-6541-9101-3722104B4ABF}" type="datetimeFigureOut">
               <a:rPr lang="en-US" smtClean="0"/>
-              <a:t>3/6/22</a:t>
+              <a:t>12/1/25</a:t>
             </a:fld>
             <a:endParaRPr lang="en-US"/>
           </a:p>
@@ -3634,7 +3698,7 @@
           <p:cNvPr id="2" name="Title 1">
             <a:extLst>
               <a:ext uri="{FF2B5EF4-FFF2-40B4-BE49-F238E27FC236}">
-                <a16:creationId xmlns:a16="http://schemas.microsoft.com/office/drawing/2014/main" id="{B3895D26-77CB-5048-8DE4-A9B849C711E7}"/>
+                <a16:creationId xmlns:a16="http://schemas.microsoft.com/office/drawing/2014/main" id="{0FFC9AEB-116D-42CD-AAFB-F9DFF9A14DB8}"/>
               </a:ext>
             </a:extLst>
           </p:cNvPr>
@@ -3642,7 +3706,7 @@
             <a:spLocks noGrp="1"/>
           </p:cNvSpPr>
           <p:nvPr>
-            <p:ph type="ctrTitle"/>
+            <p:ph type="title"/>
           </p:nvPr>
         </p:nvSpPr>
         <p:spPr/>
@@ -3652,17 +3716,17 @@
           <a:p>
             <a:r>
               <a:rPr lang="en-US" dirty="0"/>
-              <a:t>Naïve Bayes</a:t>
-            </a:r>
-          </a:p>
-        </p:txBody>
-      </p:sp>
-      <p:sp>
-        <p:nvSpPr>
-          <p:cNvPr id="3" name="Subtitle 2">
+              <a:t>Housekeeping</a:t>
+            </a:r>
+          </a:p>
+        </p:txBody>
+      </p:sp>
+      <p:sp>
+        <p:nvSpPr>
+          <p:cNvPr id="3" name="Content Placeholder 2">
             <a:extLst>
               <a:ext uri="{FF2B5EF4-FFF2-40B4-BE49-F238E27FC236}">
-                <a16:creationId xmlns:a16="http://schemas.microsoft.com/office/drawing/2014/main" id="{A780B032-B292-674D-855C-81EE4ADE6150}"/>
+                <a16:creationId xmlns:a16="http://schemas.microsoft.com/office/drawing/2014/main" id="{638B2240-35C9-D562-BADA-D7D93C21F02E}"/>
               </a:ext>
             </a:extLst>
           </p:cNvPr>
@@ -3670,22 +3734,70 @@
             <a:spLocks noGrp="1"/>
           </p:cNvSpPr>
           <p:nvPr>
-            <p:ph type="subTitle" idx="1"/>
-          </p:nvPr>
-        </p:nvSpPr>
-        <p:spPr/>
+            <p:ph idx="1"/>
+          </p:nvPr>
+        </p:nvSpPr>
+        <p:spPr>
+          <a:xfrm>
+            <a:off x="1451579" y="1981200"/>
+            <a:ext cx="9603275" cy="4072281"/>
+          </a:xfrm>
+        </p:spPr>
         <p:txBody>
           <a:bodyPr/>
           <a:lstStyle/>
           <a:p>
-            <a:endParaRPr lang="en-US"/>
+            <a:r>
+              <a:rPr lang="en-US" dirty="0"/>
+              <a:t>Probability, conditional probability, and (potentially) Bayes. </a:t>
+            </a:r>
+          </a:p>
+          <a:p>
+            <a:pPr lvl="1"/>
+            <a:r>
+              <a:rPr lang="en-US" dirty="0"/>
+              <a:t>Please be honest about what makes sense, we’ll see how far we can get. </a:t>
+            </a:r>
+          </a:p>
+          <a:p>
+            <a:pPr lvl="1"/>
+            <a:r>
+              <a:rPr lang="en-US" dirty="0"/>
+              <a:t>Largely example based, the core theory of probability is pretty simple. </a:t>
+            </a:r>
+          </a:p>
+          <a:p>
+            <a:r>
+              <a:rPr lang="en-US" dirty="0"/>
+              <a:t>For test things, conditional probability is fair game, after that is off. </a:t>
+            </a:r>
+          </a:p>
+          <a:p>
+            <a:r>
+              <a:rPr lang="en-US" dirty="0"/>
+              <a:t>We’ll finish the topic next Monday, the last class.</a:t>
+            </a:r>
+          </a:p>
+          <a:p>
+            <a:pPr lvl="1"/>
+            <a:r>
+              <a:rPr lang="en-US" dirty="0"/>
+              <a:t>We’ll cover the actual sklearn model then. </a:t>
+            </a:r>
+          </a:p>
+          <a:p>
+            <a:pPr lvl="1"/>
+            <a:r>
+              <a:rPr lang="en-US" dirty="0"/>
+              <a:t>We (probably) won’t get to deriving it, that’s worth a read through (w.b.32). </a:t>
+            </a:r>
           </a:p>
         </p:txBody>
       </p:sp>
     </p:spTree>
     <p:extLst>
       <p:ext uri="{BB962C8B-B14F-4D97-AF65-F5344CB8AC3E}">
-        <p14:creationId xmlns:p14="http://schemas.microsoft.com/office/powerpoint/2010/main" val="103797951"/>
+        <p14:creationId xmlns:p14="http://schemas.microsoft.com/office/powerpoint/2010/main" val="1560395533"/>
       </p:ext>
     </p:extLst>
   </p:cSld>
@@ -3717,7 +3829,7 @@
           <p:cNvPr id="2" name="Title 1">
             <a:extLst>
               <a:ext uri="{FF2B5EF4-FFF2-40B4-BE49-F238E27FC236}">
-                <a16:creationId xmlns:a16="http://schemas.microsoft.com/office/drawing/2014/main" id="{0AD813C7-2AD5-8445-A578-9756556E98FC}"/>
+                <a16:creationId xmlns:a16="http://schemas.microsoft.com/office/drawing/2014/main" id="{C434CD5E-C5F9-36E1-D902-FBC23F1EE80F}"/>
               </a:ext>
             </a:extLst>
           </p:cNvPr>
@@ -3735,7 +3847,7 @@
           <a:p>
             <a:r>
               <a:rPr lang="en-US" dirty="0"/>
-              <a:t>Naïve Bayes Conclusion</a:t>
+              <a:t>Conditional Probability</a:t>
             </a:r>
           </a:p>
         </p:txBody>
@@ -3745,7 +3857,7 @@
           <p:cNvPr id="3" name="Content Placeholder 2">
             <a:extLst>
               <a:ext uri="{FF2B5EF4-FFF2-40B4-BE49-F238E27FC236}">
-                <a16:creationId xmlns:a16="http://schemas.microsoft.com/office/drawing/2014/main" id="{AB982E42-0273-FB4E-B3D8-2E3564257E94}"/>
+                <a16:creationId xmlns:a16="http://schemas.microsoft.com/office/drawing/2014/main" id="{F4C2CACC-9724-6AB9-0C2C-94E7AFD07733}"/>
               </a:ext>
             </a:extLst>
           </p:cNvPr>
@@ -3756,48 +3868,81 @@
             <p:ph idx="1"/>
           </p:nvPr>
         </p:nvSpPr>
-        <p:spPr/>
+        <p:spPr>
+          <a:xfrm>
+            <a:off x="1451579" y="1853754"/>
+            <a:ext cx="9603275" cy="4199727"/>
+          </a:xfrm>
+        </p:spPr>
         <p:txBody>
           <a:bodyPr/>
           <a:lstStyle/>
           <a:p>
             <a:r>
               <a:rPr lang="en-US" dirty="0"/>
-              <a:t>Bayes is one of the more simple classifiers that we can create. </a:t>
-            </a:r>
-          </a:p>
-          <a:p>
-            <a:r>
-              <a:rPr lang="en-US" dirty="0"/>
-              <a:t>Bayes regression exists, but is not super common. </a:t>
-            </a:r>
-          </a:p>
-          <a:p>
-            <a:endParaRPr lang="en-US" dirty="0"/>
-          </a:p>
-          <a:p>
-            <a:r>
-              <a:rPr lang="en-US" dirty="0"/>
-              <a:t>Bayes is often used in things like spam detection, the speed helps here. </a:t>
-            </a:r>
-          </a:p>
-          <a:p>
-            <a:r>
-              <a:rPr lang="en-US" dirty="0"/>
-              <a:t>When Bayes works well for a dataset, it can be very good, but if it doesn’t there is limited ability to tune it to </a:t>
-            </a:r>
-            <a:r>
-              <a:rPr lang="en-US"/>
-              <a:t>be better. </a:t>
-            </a:r>
-            <a:endParaRPr lang="en-US" dirty="0"/>
+              <a:t>Using probabilities for prediction relies on conditional probabilities. </a:t>
+            </a:r>
+          </a:p>
+          <a:p>
+            <a:pPr lvl="1"/>
+            <a:r>
+              <a:rPr lang="en-US" dirty="0"/>
+              <a:t>Given this fact, what is the probability. </a:t>
+            </a:r>
+          </a:p>
+          <a:p>
+            <a:pPr lvl="1"/>
+            <a:r>
+              <a:rPr lang="en-US" dirty="0"/>
+              <a:t>E.g. if you have high blood pressure, what is the likelihood of a stroke. </a:t>
+            </a:r>
+          </a:p>
+          <a:p>
+            <a:r>
+              <a:rPr lang="en-US" dirty="0"/>
+              <a:t>We can express conditional probabilities like this:</a:t>
+            </a:r>
+          </a:p>
+          <a:p>
+            <a:pPr lvl="1"/>
+            <a:r>
+              <a:rPr lang="en-US" dirty="0"/>
+              <a:t>P(A | B) – probability of A, given that B is true. </a:t>
+            </a:r>
+          </a:p>
+          <a:p>
+            <a:r>
+              <a:rPr lang="en-US" dirty="0"/>
+              <a:t>In datasets, this conditional probability could be calculated for any combo. E.g.</a:t>
+            </a:r>
+          </a:p>
+          <a:p>
+            <a:pPr lvl="1"/>
+            <a:r>
+              <a:rPr lang="en-US" dirty="0"/>
+              <a:t>P( stroke | high blood pressure)</a:t>
+            </a:r>
+          </a:p>
+          <a:p>
+            <a:pPr lvl="1"/>
+            <a:r>
+              <a:rPr lang="en-US" dirty="0"/>
+              <a:t>P( stroke | high BMI)</a:t>
+            </a:r>
+          </a:p>
+          <a:p>
+            <a:pPr lvl="1"/>
+            <a:r>
+              <a:rPr lang="en-US" dirty="0"/>
+              <a:t>P( stroke | high BMI and high blood pressure)</a:t>
+            </a:r>
           </a:p>
         </p:txBody>
       </p:sp>
     </p:spTree>
     <p:extLst>
       <p:ext uri="{BB962C8B-B14F-4D97-AF65-F5344CB8AC3E}">
-        <p14:creationId xmlns:p14="http://schemas.microsoft.com/office/powerpoint/2010/main" val="3093447189"/>
+        <p14:creationId xmlns:p14="http://schemas.microsoft.com/office/powerpoint/2010/main" val="2149056855"/>
       </p:ext>
     </p:extLst>
   </p:cSld>
@@ -3807,7 +3952,277 @@
 </p:sld>
 </file>
 
-<file path=ppt/slides/slide2.xml><?xml version="1.0" encoding="utf-8"?>
+<file path=ppt/slides/slide11.xml><?xml version="1.0" encoding="utf-8"?>
+<p:sld xmlns:a="http://schemas.openxmlformats.org/drawingml/2006/main" xmlns:r="http://schemas.openxmlformats.org/officeDocument/2006/relationships" xmlns:p="http://schemas.openxmlformats.org/presentationml/2006/main">
+  <p:cSld>
+    <p:spTree>
+      <p:nvGrpSpPr>
+        <p:cNvPr id="1" name=""/>
+        <p:cNvGrpSpPr/>
+        <p:nvPr/>
+      </p:nvGrpSpPr>
+      <p:grpSpPr>
+        <a:xfrm>
+          <a:off x="0" y="0"/>
+          <a:ext cx="0" cy="0"/>
+          <a:chOff x="0" y="0"/>
+          <a:chExt cx="0" cy="0"/>
+        </a:xfrm>
+      </p:grpSpPr>
+      <p:sp>
+        <p:nvSpPr>
+          <p:cNvPr id="2" name="Title 1">
+            <a:extLst>
+              <a:ext uri="{FF2B5EF4-FFF2-40B4-BE49-F238E27FC236}">
+                <a16:creationId xmlns:a16="http://schemas.microsoft.com/office/drawing/2014/main" id="{908E2F3D-7F2C-87A8-F7BD-87C1626B3CCF}"/>
+              </a:ext>
+            </a:extLst>
+          </p:cNvPr>
+          <p:cNvSpPr>
+            <a:spLocks noGrp="1"/>
+          </p:cNvSpPr>
+          <p:nvPr>
+            <p:ph type="title"/>
+          </p:nvPr>
+        </p:nvSpPr>
+        <p:spPr/>
+        <p:txBody>
+          <a:bodyPr/>
+          <a:lstStyle/>
+          <a:p>
+            <a:r>
+              <a:rPr lang="en-US" dirty="0"/>
+              <a:t>Updates</a:t>
+            </a:r>
+          </a:p>
+        </p:txBody>
+      </p:sp>
+      <p:sp>
+        <p:nvSpPr>
+          <p:cNvPr id="3" name="Content Placeholder 2">
+            <a:extLst>
+              <a:ext uri="{FF2B5EF4-FFF2-40B4-BE49-F238E27FC236}">
+                <a16:creationId xmlns:a16="http://schemas.microsoft.com/office/drawing/2014/main" id="{EC5F6650-86B9-30B6-1DA6-E9CD532D9E12}"/>
+              </a:ext>
+            </a:extLst>
+          </p:cNvPr>
+          <p:cNvSpPr>
+            <a:spLocks noGrp="1"/>
+          </p:cNvSpPr>
+          <p:nvPr>
+            <p:ph idx="1"/>
+          </p:nvPr>
+        </p:nvSpPr>
+        <p:spPr>
+          <a:xfrm>
+            <a:off x="1451579" y="2015732"/>
+            <a:ext cx="9603275" cy="3965968"/>
+          </a:xfrm>
+        </p:spPr>
+        <p:txBody>
+          <a:bodyPr/>
+          <a:lstStyle/>
+          <a:p>
+            <a:r>
+              <a:rPr lang="en-US" dirty="0"/>
+              <a:t>We can think of the probability as conditional, and progress through ‘learning’ things. </a:t>
+            </a:r>
+          </a:p>
+          <a:p>
+            <a:pPr lvl="1"/>
+            <a:r>
+              <a:rPr lang="en-US" dirty="0"/>
+              <a:t>Pretend you learn each feature one-by-one and change the estimate each time. </a:t>
+            </a:r>
+          </a:p>
+          <a:p>
+            <a:r>
+              <a:rPr lang="en-US" dirty="0"/>
+              <a:t>We start with a baseline – what is the probability?</a:t>
+            </a:r>
+          </a:p>
+          <a:p>
+            <a:pPr lvl="1"/>
+            <a:r>
+              <a:rPr lang="en-US" dirty="0"/>
+              <a:t>As we ‘learn’ each feature, the probability becomes conditional on that. P( Y | X1)…</a:t>
+            </a:r>
+          </a:p>
+          <a:p>
+            <a:r>
+              <a:rPr lang="en-US" dirty="0"/>
+              <a:t>These ‘updates’ make our prediction more accurate as we learn each one. </a:t>
+            </a:r>
+          </a:p>
+          <a:p>
+            <a:pPr lvl="1"/>
+            <a:r>
+              <a:rPr lang="en-US" dirty="0"/>
+              <a:t>Each adds another X to the prediction. </a:t>
+            </a:r>
+          </a:p>
+          <a:p>
+            <a:pPr lvl="1"/>
+            <a:r>
+              <a:rPr lang="en-US" dirty="0"/>
+              <a:t>If that X is useful, we’ve ‘learned more’. </a:t>
+            </a:r>
+          </a:p>
+          <a:p>
+            <a:r>
+              <a:rPr lang="en-US" dirty="0"/>
+              <a:t>We can label them prior and posterior. </a:t>
+            </a:r>
+          </a:p>
+        </p:txBody>
+      </p:sp>
+      <p:pic>
+        <p:nvPicPr>
+          <p:cNvPr id="2050" name="Picture 2">
+            <a:extLst>
+              <a:ext uri="{FF2B5EF4-FFF2-40B4-BE49-F238E27FC236}">
+                <a16:creationId xmlns:a16="http://schemas.microsoft.com/office/drawing/2014/main" id="{5BA839F1-5F1A-8CEC-AE82-9B2ACAE6EF59}"/>
+              </a:ext>
+            </a:extLst>
+          </p:cNvPr>
+          <p:cNvPicPr>
+            <a:picLocks noChangeAspect="1" noChangeArrowheads="1"/>
+          </p:cNvPicPr>
+          <p:nvPr/>
+        </p:nvPicPr>
+        <p:blipFill>
+          <a:blip r:embed="rId2">
+            <a:extLst>
+              <a:ext uri="{28A0092B-C50C-407E-A947-70E740481C1C}">
+                <a14:useLocalDpi xmlns:a14="http://schemas.microsoft.com/office/drawing/2010/main" val="0"/>
+              </a:ext>
+            </a:extLst>
+          </a:blip>
+          <a:srcRect/>
+          <a:stretch>
+            <a:fillRect/>
+          </a:stretch>
+        </p:blipFill>
+        <p:spPr bwMode="auto">
+          <a:xfrm>
+            <a:off x="7437748" y="4022222"/>
+            <a:ext cx="4747902" cy="2099177"/>
+          </a:xfrm>
+          <a:prstGeom prst="rect">
+            <a:avLst/>
+          </a:prstGeom>
+          <a:noFill/>
+          <a:extLst>
+            <a:ext uri="{909E8E84-426E-40DD-AFC4-6F175D3DCCD1}">
+              <a14:hiddenFill xmlns:a14="http://schemas.microsoft.com/office/drawing/2010/main">
+                <a:solidFill>
+                  <a:srgbClr val="FFFFFF"/>
+                </a:solidFill>
+              </a14:hiddenFill>
+            </a:ext>
+          </a:extLst>
+        </p:spPr>
+      </p:pic>
+    </p:spTree>
+    <p:extLst>
+      <p:ext uri="{BB962C8B-B14F-4D97-AF65-F5344CB8AC3E}">
+        <p14:creationId xmlns:p14="http://schemas.microsoft.com/office/powerpoint/2010/main" val="2378238294"/>
+      </p:ext>
+    </p:extLst>
+  </p:cSld>
+  <p:clrMapOvr>
+    <a:masterClrMapping/>
+  </p:clrMapOvr>
+</p:sld>
+</file>
+
+<file path=ppt/slides/slide12.xml><?xml version="1.0" encoding="utf-8"?>
+<p:sld xmlns:a="http://schemas.openxmlformats.org/drawingml/2006/main" xmlns:r="http://schemas.openxmlformats.org/officeDocument/2006/relationships" xmlns:p="http://schemas.openxmlformats.org/presentationml/2006/main">
+  <p:cSld>
+    <p:spTree>
+      <p:nvGrpSpPr>
+        <p:cNvPr id="1" name=""/>
+        <p:cNvGrpSpPr/>
+        <p:nvPr/>
+      </p:nvGrpSpPr>
+      <p:grpSpPr>
+        <a:xfrm>
+          <a:off x="0" y="0"/>
+          <a:ext cx="0" cy="0"/>
+          <a:chOff x="0" y="0"/>
+          <a:chExt cx="0" cy="0"/>
+        </a:xfrm>
+      </p:grpSpPr>
+      <p:sp>
+        <p:nvSpPr>
+          <p:cNvPr id="2" name="Title 1">
+            <a:extLst>
+              <a:ext uri="{FF2B5EF4-FFF2-40B4-BE49-F238E27FC236}">
+                <a16:creationId xmlns:a16="http://schemas.microsoft.com/office/drawing/2014/main" id="{AA0D4623-BBBE-B4CE-396F-4AB6571452BB}"/>
+              </a:ext>
+            </a:extLst>
+          </p:cNvPr>
+          <p:cNvSpPr>
+            <a:spLocks noGrp="1"/>
+          </p:cNvSpPr>
+          <p:nvPr>
+            <p:ph type="title"/>
+          </p:nvPr>
+        </p:nvSpPr>
+        <p:spPr/>
+        <p:txBody>
+          <a:bodyPr/>
+          <a:lstStyle/>
+          <a:p>
+            <a:r>
+              <a:rPr lang="en-US" dirty="0"/>
+              <a:t>Check the Code</a:t>
+            </a:r>
+          </a:p>
+        </p:txBody>
+      </p:sp>
+      <p:sp>
+        <p:nvSpPr>
+          <p:cNvPr id="3" name="Content Placeholder 2">
+            <a:extLst>
+              <a:ext uri="{FF2B5EF4-FFF2-40B4-BE49-F238E27FC236}">
+                <a16:creationId xmlns:a16="http://schemas.microsoft.com/office/drawing/2014/main" id="{4A8AA685-BA9E-DC45-F79C-E5FF845543D1}"/>
+              </a:ext>
+            </a:extLst>
+          </p:cNvPr>
+          <p:cNvSpPr>
+            <a:spLocks noGrp="1"/>
+          </p:cNvSpPr>
+          <p:nvPr>
+            <p:ph idx="1"/>
+          </p:nvPr>
+        </p:nvSpPr>
+        <p:spPr/>
+        <p:txBody>
+          <a:bodyPr/>
+          <a:lstStyle/>
+          <a:p>
+            <a:r>
+              <a:rPr lang="en-US" dirty="0"/>
+              <a:t>Look to code for an example of some updating…</a:t>
+            </a:r>
+          </a:p>
+        </p:txBody>
+      </p:sp>
+    </p:spTree>
+    <p:extLst>
+      <p:ext uri="{BB962C8B-B14F-4D97-AF65-F5344CB8AC3E}">
+        <p14:creationId xmlns:p14="http://schemas.microsoft.com/office/powerpoint/2010/main" val="569268137"/>
+      </p:ext>
+    </p:extLst>
+  </p:cSld>
+  <p:clrMapOvr>
+    <a:masterClrMapping/>
+  </p:clrMapOvr>
+</p:sld>
+</file>
+
+<file path=ppt/slides/slide13.xml><?xml version="1.0" encoding="utf-8"?>
 <p:sld xmlns:a="http://schemas.openxmlformats.org/drawingml/2006/main" xmlns:r="http://schemas.openxmlformats.org/officeDocument/2006/relationships" xmlns:p="http://schemas.openxmlformats.org/presentationml/2006/main">
   <p:cSld>
     <p:spTree>
@@ -3959,7 +4374,7 @@
 </p:sld>
 </file>
 
-<file path=ppt/slides/slide3.xml><?xml version="1.0" encoding="utf-8"?>
+<file path=ppt/slides/slide14.xml><?xml version="1.0" encoding="utf-8"?>
 <p:sld xmlns:a="http://schemas.openxmlformats.org/drawingml/2006/main" xmlns:r="http://schemas.openxmlformats.org/officeDocument/2006/relationships" xmlns:p="http://schemas.openxmlformats.org/presentationml/2006/main">
   <p:cSld>
     <p:bg>
@@ -4148,7 +4563,7 @@
 </p:sld>
 </file>
 
-<file path=ppt/slides/slide4.xml><?xml version="1.0" encoding="utf-8"?>
+<file path=ppt/slides/slide15.xml><?xml version="1.0" encoding="utf-8"?>
 <p:sld xmlns:a="http://schemas.openxmlformats.org/drawingml/2006/main" xmlns:r="http://schemas.openxmlformats.org/officeDocument/2006/relationships" xmlns:p="http://schemas.openxmlformats.org/presentationml/2006/main">
   <p:cSld>
     <p:spTree>
@@ -4297,7 +4712,7 @@
 </p:sld>
 </file>
 
-<file path=ppt/slides/slide5.xml><?xml version="1.0" encoding="utf-8"?>
+<file path=ppt/slides/slide16.xml><?xml version="1.0" encoding="utf-8"?>
 <p:sld xmlns:a="http://schemas.openxmlformats.org/drawingml/2006/main" xmlns:r="http://schemas.openxmlformats.org/officeDocument/2006/relationships" xmlns:p="http://schemas.openxmlformats.org/presentationml/2006/main">
   <p:cSld>
     <p:spTree>
@@ -4529,7 +4944,7 @@
 </p:sld>
 </file>
 
-<file path=ppt/slides/slide6.xml><?xml version="1.0" encoding="utf-8"?>
+<file path=ppt/slides/slide17.xml><?xml version="1.0" encoding="utf-8"?>
 <p:sld xmlns:a="http://schemas.openxmlformats.org/drawingml/2006/main" xmlns:r="http://schemas.openxmlformats.org/officeDocument/2006/relationships" xmlns:p="http://schemas.openxmlformats.org/presentationml/2006/main">
   <p:cSld>
     <p:spTree>
@@ -4763,7 +5178,7 @@
 </p:sld>
 </file>
 
-<file path=ppt/slides/slide7.xml><?xml version="1.0" encoding="utf-8"?>
+<file path=ppt/slides/slide18.xml><?xml version="1.0" encoding="utf-8"?>
 <p:sld xmlns:a="http://schemas.openxmlformats.org/drawingml/2006/main" xmlns:r="http://schemas.openxmlformats.org/officeDocument/2006/relationships" xmlns:p="http://schemas.openxmlformats.org/presentationml/2006/main">
   <p:cSld>
     <p:spTree>
@@ -4908,7 +5323,7 @@
 </p:sld>
 </file>
 
-<file path=ppt/slides/slide8.xml><?xml version="1.0" encoding="utf-8"?>
+<file path=ppt/slides/slide19.xml><?xml version="1.0" encoding="utf-8"?>
 <p:sld xmlns:a="http://schemas.openxmlformats.org/drawingml/2006/main" xmlns:r="http://schemas.openxmlformats.org/officeDocument/2006/relationships" xmlns:p="http://schemas.openxmlformats.org/presentationml/2006/main">
   <p:cSld>
     <p:bg>
@@ -5138,7 +5553,120 @@
 </p:sld>
 </file>
 
-<file path=ppt/slides/slide9.xml><?xml version="1.0" encoding="utf-8"?>
+<file path=ppt/slides/slide2.xml><?xml version="1.0" encoding="utf-8"?>
+<p:sld xmlns:a="http://schemas.openxmlformats.org/drawingml/2006/main" xmlns:r="http://schemas.openxmlformats.org/officeDocument/2006/relationships" xmlns:p="http://schemas.openxmlformats.org/presentationml/2006/main">
+  <p:cSld>
+    <p:spTree>
+      <p:nvGrpSpPr>
+        <p:cNvPr id="1" name=""/>
+        <p:cNvGrpSpPr/>
+        <p:nvPr/>
+      </p:nvGrpSpPr>
+      <p:grpSpPr>
+        <a:xfrm>
+          <a:off x="0" y="0"/>
+          <a:ext cx="0" cy="0"/>
+          <a:chOff x="0" y="0"/>
+          <a:chExt cx="0" cy="0"/>
+        </a:xfrm>
+      </p:grpSpPr>
+      <p:sp>
+        <p:nvSpPr>
+          <p:cNvPr id="2" name="Title 1">
+            <a:extLst>
+              <a:ext uri="{FF2B5EF4-FFF2-40B4-BE49-F238E27FC236}">
+                <a16:creationId xmlns:a16="http://schemas.microsoft.com/office/drawing/2014/main" id="{C31883E5-2524-759A-34CB-AF79F119D41C}"/>
+              </a:ext>
+            </a:extLst>
+          </p:cNvPr>
+          <p:cNvSpPr>
+            <a:spLocks noGrp="1"/>
+          </p:cNvSpPr>
+          <p:nvPr>
+            <p:ph type="title"/>
+          </p:nvPr>
+        </p:nvSpPr>
+        <p:spPr/>
+        <p:txBody>
+          <a:bodyPr/>
+          <a:lstStyle/>
+          <a:p>
+            <a:r>
+              <a:rPr lang="en-US" dirty="0"/>
+              <a:t>Why Are densities so Weird? </a:t>
+            </a:r>
+          </a:p>
+        </p:txBody>
+      </p:sp>
+      <p:sp>
+        <p:nvSpPr>
+          <p:cNvPr id="3" name="Content Placeholder 2">
+            <a:extLst>
+              <a:ext uri="{FF2B5EF4-FFF2-40B4-BE49-F238E27FC236}">
+                <a16:creationId xmlns:a16="http://schemas.microsoft.com/office/drawing/2014/main" id="{3532D88E-CBA3-BD41-400C-306B011019C3}"/>
+              </a:ext>
+            </a:extLst>
+          </p:cNvPr>
+          <p:cNvSpPr>
+            <a:spLocks noGrp="1"/>
+          </p:cNvSpPr>
+          <p:nvPr>
+            <p:ph idx="1"/>
+          </p:nvPr>
+        </p:nvSpPr>
+        <p:spPr/>
+        <p:txBody>
+          <a:bodyPr/>
+          <a:lstStyle/>
+          <a:p>
+            <a:endParaRPr lang="en-US"/>
+          </a:p>
+        </p:txBody>
+      </p:sp>
+      <p:pic>
+        <p:nvPicPr>
+          <p:cNvPr id="6" name="Picture 5">
+            <a:extLst>
+              <a:ext uri="{FF2B5EF4-FFF2-40B4-BE49-F238E27FC236}">
+                <a16:creationId xmlns:a16="http://schemas.microsoft.com/office/drawing/2014/main" id="{AADD1F11-10A9-2178-1300-92D45A6C24B1}"/>
+              </a:ext>
+            </a:extLst>
+          </p:cNvPr>
+          <p:cNvPicPr>
+            <a:picLocks noChangeAspect="1"/>
+          </p:cNvPicPr>
+          <p:nvPr/>
+        </p:nvPicPr>
+        <p:blipFill>
+          <a:blip r:embed="rId2"/>
+          <a:stretch>
+            <a:fillRect/>
+          </a:stretch>
+        </p:blipFill>
+        <p:spPr>
+          <a:xfrm>
+            <a:off x="2034540" y="1853754"/>
+            <a:ext cx="7772400" cy="4798169"/>
+          </a:xfrm>
+          <a:prstGeom prst="rect">
+            <a:avLst/>
+          </a:prstGeom>
+        </p:spPr>
+      </p:pic>
+    </p:spTree>
+    <p:extLst>
+      <p:ext uri="{BB962C8B-B14F-4D97-AF65-F5344CB8AC3E}">
+        <p14:creationId xmlns:p14="http://schemas.microsoft.com/office/powerpoint/2010/main" val="1106345949"/>
+      </p:ext>
+    </p:extLst>
+  </p:cSld>
+  <p:clrMapOvr>
+    <a:masterClrMapping/>
+  </p:clrMapOvr>
+</p:sld>
+</file>
+
+<file path=ppt/slides/slide20.xml><?xml version="1.0" encoding="utf-8"?>
 <p:sld xmlns:a="http://schemas.openxmlformats.org/drawingml/2006/main" xmlns:r="http://schemas.openxmlformats.org/officeDocument/2006/relationships" xmlns:p="http://schemas.openxmlformats.org/presentationml/2006/main">
   <p:cSld>
     <p:bg>
@@ -5337,6 +5865,1385 @@
     <p:extLst>
       <p:ext uri="{BB962C8B-B14F-4D97-AF65-F5344CB8AC3E}">
         <p14:creationId xmlns:p14="http://schemas.microsoft.com/office/powerpoint/2010/main" val="2167490510"/>
+      </p:ext>
+    </p:extLst>
+  </p:cSld>
+  <p:clrMapOvr>
+    <a:masterClrMapping/>
+  </p:clrMapOvr>
+</p:sld>
+</file>
+
+<file path=ppt/slides/slide21.xml><?xml version="1.0" encoding="utf-8"?>
+<p:sld xmlns:a="http://schemas.openxmlformats.org/drawingml/2006/main" xmlns:r="http://schemas.openxmlformats.org/officeDocument/2006/relationships" xmlns:p="http://schemas.openxmlformats.org/presentationml/2006/main">
+  <p:cSld>
+    <p:spTree>
+      <p:nvGrpSpPr>
+        <p:cNvPr id="1" name=""/>
+        <p:cNvGrpSpPr/>
+        <p:nvPr/>
+      </p:nvGrpSpPr>
+      <p:grpSpPr>
+        <a:xfrm>
+          <a:off x="0" y="0"/>
+          <a:ext cx="0" cy="0"/>
+          <a:chOff x="0" y="0"/>
+          <a:chExt cx="0" cy="0"/>
+        </a:xfrm>
+      </p:grpSpPr>
+      <p:sp>
+        <p:nvSpPr>
+          <p:cNvPr id="2" name="Title 1">
+            <a:extLst>
+              <a:ext uri="{FF2B5EF4-FFF2-40B4-BE49-F238E27FC236}">
+                <a16:creationId xmlns:a16="http://schemas.microsoft.com/office/drawing/2014/main" id="{0AD813C7-2AD5-8445-A578-9756556E98FC}"/>
+              </a:ext>
+            </a:extLst>
+          </p:cNvPr>
+          <p:cNvSpPr>
+            <a:spLocks noGrp="1"/>
+          </p:cNvSpPr>
+          <p:nvPr>
+            <p:ph type="title"/>
+          </p:nvPr>
+        </p:nvSpPr>
+        <p:spPr/>
+        <p:txBody>
+          <a:bodyPr/>
+          <a:lstStyle/>
+          <a:p>
+            <a:r>
+              <a:rPr lang="en-US" dirty="0"/>
+              <a:t>Naïve Bayes Conclusion</a:t>
+            </a:r>
+          </a:p>
+        </p:txBody>
+      </p:sp>
+      <p:sp>
+        <p:nvSpPr>
+          <p:cNvPr id="3" name="Content Placeholder 2">
+            <a:extLst>
+              <a:ext uri="{FF2B5EF4-FFF2-40B4-BE49-F238E27FC236}">
+                <a16:creationId xmlns:a16="http://schemas.microsoft.com/office/drawing/2014/main" id="{AB982E42-0273-FB4E-B3D8-2E3564257E94}"/>
+              </a:ext>
+            </a:extLst>
+          </p:cNvPr>
+          <p:cNvSpPr>
+            <a:spLocks noGrp="1"/>
+          </p:cNvSpPr>
+          <p:nvPr>
+            <p:ph idx="1"/>
+          </p:nvPr>
+        </p:nvSpPr>
+        <p:spPr/>
+        <p:txBody>
+          <a:bodyPr/>
+          <a:lstStyle/>
+          <a:p>
+            <a:r>
+              <a:rPr lang="en-US" dirty="0"/>
+              <a:t>Bayes is one of the more simple classifiers that we can create. </a:t>
+            </a:r>
+          </a:p>
+          <a:p>
+            <a:r>
+              <a:rPr lang="en-US" dirty="0"/>
+              <a:t>Bayes regression exists, but is not super common. </a:t>
+            </a:r>
+          </a:p>
+          <a:p>
+            <a:endParaRPr lang="en-US" dirty="0"/>
+          </a:p>
+          <a:p>
+            <a:r>
+              <a:rPr lang="en-US" dirty="0"/>
+              <a:t>Bayes is often used in things like spam detection, the speed helps here. </a:t>
+            </a:r>
+          </a:p>
+          <a:p>
+            <a:r>
+              <a:rPr lang="en-US" dirty="0"/>
+              <a:t>When Bayes works well for a dataset, it can be very good, but if it doesn’t there is limited ability to tune it to </a:t>
+            </a:r>
+            <a:r>
+              <a:rPr lang="en-US"/>
+              <a:t>be better. </a:t>
+            </a:r>
+            <a:endParaRPr lang="en-US" dirty="0"/>
+          </a:p>
+        </p:txBody>
+      </p:sp>
+    </p:spTree>
+    <p:extLst>
+      <p:ext uri="{BB962C8B-B14F-4D97-AF65-F5344CB8AC3E}">
+        <p14:creationId xmlns:p14="http://schemas.microsoft.com/office/powerpoint/2010/main" val="3093447189"/>
+      </p:ext>
+    </p:extLst>
+  </p:cSld>
+  <p:clrMapOvr>
+    <a:masterClrMapping/>
+  </p:clrMapOvr>
+</p:sld>
+</file>
+
+<file path=ppt/slides/slide3.xml><?xml version="1.0" encoding="utf-8"?>
+<p:sld xmlns:a="http://schemas.openxmlformats.org/drawingml/2006/main" xmlns:r="http://schemas.openxmlformats.org/officeDocument/2006/relationships" xmlns:p="http://schemas.openxmlformats.org/presentationml/2006/main">
+  <p:cSld>
+    <p:spTree>
+      <p:nvGrpSpPr>
+        <p:cNvPr id="1" name=""/>
+        <p:cNvGrpSpPr/>
+        <p:nvPr/>
+      </p:nvGrpSpPr>
+      <p:grpSpPr>
+        <a:xfrm>
+          <a:off x="0" y="0"/>
+          <a:ext cx="0" cy="0"/>
+          <a:chOff x="0" y="0"/>
+          <a:chExt cx="0" cy="0"/>
+        </a:xfrm>
+      </p:grpSpPr>
+      <p:sp>
+        <p:nvSpPr>
+          <p:cNvPr id="2" name="Title 1">
+            <a:extLst>
+              <a:ext uri="{FF2B5EF4-FFF2-40B4-BE49-F238E27FC236}">
+                <a16:creationId xmlns:a16="http://schemas.microsoft.com/office/drawing/2014/main" id="{02A7EEAC-B5F8-286E-45A6-8A0E3866A796}"/>
+              </a:ext>
+            </a:extLst>
+          </p:cNvPr>
+          <p:cNvSpPr>
+            <a:spLocks noGrp="1"/>
+          </p:cNvSpPr>
+          <p:nvPr>
+            <p:ph type="title"/>
+          </p:nvPr>
+        </p:nvSpPr>
+        <p:spPr/>
+        <p:txBody>
+          <a:bodyPr/>
+          <a:lstStyle/>
+          <a:p>
+            <a:r>
+              <a:rPr lang="en-US" dirty="0"/>
+              <a:t>What’s the Density… Really…?</a:t>
+            </a:r>
+          </a:p>
+        </p:txBody>
+      </p:sp>
+      <p:sp>
+        <p:nvSpPr>
+          <p:cNvPr id="3" name="Content Placeholder 2">
+            <a:extLst>
+              <a:ext uri="{FF2B5EF4-FFF2-40B4-BE49-F238E27FC236}">
+                <a16:creationId xmlns:a16="http://schemas.microsoft.com/office/drawing/2014/main" id="{1E013EB2-9902-4D0F-B459-E6FF4D1F5778}"/>
+              </a:ext>
+            </a:extLst>
+          </p:cNvPr>
+          <p:cNvSpPr>
+            <a:spLocks noGrp="1"/>
+          </p:cNvSpPr>
+          <p:nvPr>
+            <p:ph idx="1"/>
+          </p:nvPr>
+        </p:nvSpPr>
+        <p:spPr>
+          <a:xfrm>
+            <a:off x="5996940" y="1927860"/>
+            <a:ext cx="6195060" cy="4190326"/>
+          </a:xfrm>
+        </p:spPr>
+        <p:txBody>
+          <a:bodyPr/>
+          <a:lstStyle/>
+          <a:p>
+            <a:r>
+              <a:rPr lang="en-US" dirty="0"/>
+              <a:t>Density means the total area under curve is 1. </a:t>
+            </a:r>
+          </a:p>
+          <a:p>
+            <a:pPr lvl="1"/>
+            <a:r>
+              <a:rPr lang="en-US" dirty="0"/>
+              <a:t>If we have a continuous dataset, this works, but…</a:t>
+            </a:r>
+          </a:p>
+          <a:p>
+            <a:r>
+              <a:rPr lang="en-US" dirty="0"/>
+              <a:t>The area is the integral, not </a:t>
+            </a:r>
+            <a:r>
+              <a:rPr lang="en-US"/>
+              <a:t>a count. </a:t>
+            </a:r>
+            <a:endParaRPr lang="en-US" dirty="0"/>
+          </a:p>
+          <a:p>
+            <a:pPr lvl="1"/>
+            <a:r>
+              <a:rPr lang="en-US" dirty="0"/>
+              <a:t>Works over an area, not a point (like a bin w/ discreet).</a:t>
+            </a:r>
+          </a:p>
+          <a:p>
+            <a:pPr lvl="1"/>
+            <a:r>
+              <a:rPr lang="en-US" dirty="0"/>
+              <a:t>Sparse discreet data can make this weird. </a:t>
+            </a:r>
+          </a:p>
+          <a:p>
+            <a:pPr lvl="1"/>
+            <a:r>
+              <a:rPr lang="en-US" dirty="0"/>
+              <a:t>We don’t get a ‘rectangle’ we get stalagmites. </a:t>
+            </a:r>
+          </a:p>
+          <a:p>
+            <a:r>
+              <a:rPr lang="en-US" dirty="0"/>
+              <a:t>With discreet data there’s estimating going on. </a:t>
+            </a:r>
+          </a:p>
+          <a:p>
+            <a:pPr lvl="1"/>
+            <a:r>
+              <a:rPr lang="en-US" dirty="0"/>
+              <a:t>There is a smoothing parameter that can help.  </a:t>
+            </a:r>
+          </a:p>
+          <a:p>
+            <a:r>
+              <a:rPr lang="en-US" dirty="0"/>
+              <a:t>Fundamentally a mismatch data/visual tool. </a:t>
+            </a:r>
+          </a:p>
+        </p:txBody>
+      </p:sp>
+      <p:pic>
+        <p:nvPicPr>
+          <p:cNvPr id="4" name="Picture 3">
+            <a:extLst>
+              <a:ext uri="{FF2B5EF4-FFF2-40B4-BE49-F238E27FC236}">
+                <a16:creationId xmlns:a16="http://schemas.microsoft.com/office/drawing/2014/main" id="{31686271-D1FA-EAD9-4BA2-151754E5111B}"/>
+              </a:ext>
+            </a:extLst>
+          </p:cNvPr>
+          <p:cNvPicPr>
+            <a:picLocks noChangeAspect="1"/>
+          </p:cNvPicPr>
+          <p:nvPr/>
+        </p:nvPicPr>
+        <p:blipFill>
+          <a:blip r:embed="rId2"/>
+          <a:srcRect r="19608"/>
+          <a:stretch>
+            <a:fillRect/>
+          </a:stretch>
+        </p:blipFill>
+        <p:spPr>
+          <a:xfrm>
+            <a:off x="0" y="1927860"/>
+            <a:ext cx="6040066" cy="2148503"/>
+          </a:xfrm>
+          <a:prstGeom prst="rect">
+            <a:avLst/>
+          </a:prstGeom>
+        </p:spPr>
+      </p:pic>
+      <p:pic>
+        <p:nvPicPr>
+          <p:cNvPr id="4098" name="Picture 2" descr="Area under the Curve Formula">
+            <a:extLst>
+              <a:ext uri="{FF2B5EF4-FFF2-40B4-BE49-F238E27FC236}">
+                <a16:creationId xmlns:a16="http://schemas.microsoft.com/office/drawing/2014/main" id="{629798F0-9DFB-2B16-53B9-08F7AA504CF0}"/>
+              </a:ext>
+            </a:extLst>
+          </p:cNvPr>
+          <p:cNvPicPr>
+            <a:picLocks noChangeAspect="1" noChangeArrowheads="1"/>
+          </p:cNvPicPr>
+          <p:nvPr/>
+        </p:nvPicPr>
+        <p:blipFill>
+          <a:blip r:embed="rId3">
+            <a:extLst>
+              <a:ext uri="{28A0092B-C50C-407E-A947-70E740481C1C}">
+                <a14:useLocalDpi xmlns:a14="http://schemas.microsoft.com/office/drawing/2010/main" val="0"/>
+              </a:ext>
+            </a:extLst>
+          </a:blip>
+          <a:srcRect/>
+          <a:stretch>
+            <a:fillRect/>
+          </a:stretch>
+        </p:blipFill>
+        <p:spPr bwMode="auto">
+          <a:xfrm>
+            <a:off x="137160" y="4086186"/>
+            <a:ext cx="3524250" cy="2032000"/>
+          </a:xfrm>
+          <a:prstGeom prst="rect">
+            <a:avLst/>
+          </a:prstGeom>
+          <a:noFill/>
+          <a:extLst>
+            <a:ext uri="{909E8E84-426E-40DD-AFC4-6F175D3DCCD1}">
+              <a14:hiddenFill xmlns:a14="http://schemas.microsoft.com/office/drawing/2010/main">
+                <a:solidFill>
+                  <a:srgbClr val="FFFFFF"/>
+                </a:solidFill>
+              </a14:hiddenFill>
+            </a:ext>
+          </a:extLst>
+        </p:spPr>
+      </p:pic>
+      <p:pic>
+        <p:nvPicPr>
+          <p:cNvPr id="5" name="Picture 4">
+            <a:extLst>
+              <a:ext uri="{FF2B5EF4-FFF2-40B4-BE49-F238E27FC236}">
+                <a16:creationId xmlns:a16="http://schemas.microsoft.com/office/drawing/2014/main" id="{76DEACD2-979A-A564-465A-679079D0EAF9}"/>
+              </a:ext>
+            </a:extLst>
+          </p:cNvPr>
+          <p:cNvPicPr>
+            <a:picLocks noChangeAspect="1"/>
+          </p:cNvPicPr>
+          <p:nvPr/>
+        </p:nvPicPr>
+        <p:blipFill>
+          <a:blip r:embed="rId4"/>
+          <a:stretch>
+            <a:fillRect/>
+          </a:stretch>
+        </p:blipFill>
+        <p:spPr>
+          <a:xfrm>
+            <a:off x="3661410" y="4076362"/>
+            <a:ext cx="2378656" cy="2325797"/>
+          </a:xfrm>
+          <a:prstGeom prst="rect">
+            <a:avLst/>
+          </a:prstGeom>
+        </p:spPr>
+      </p:pic>
+    </p:spTree>
+    <p:extLst>
+      <p:ext uri="{BB962C8B-B14F-4D97-AF65-F5344CB8AC3E}">
+        <p14:creationId xmlns:p14="http://schemas.microsoft.com/office/powerpoint/2010/main" val="1118521392"/>
+      </p:ext>
+    </p:extLst>
+  </p:cSld>
+  <p:clrMapOvr>
+    <a:masterClrMapping/>
+  </p:clrMapOvr>
+</p:sld>
+</file>
+
+<file path=ppt/slides/slide4.xml><?xml version="1.0" encoding="utf-8"?>
+<p:sld xmlns:a="http://schemas.openxmlformats.org/drawingml/2006/main" xmlns:r="http://schemas.openxmlformats.org/officeDocument/2006/relationships" xmlns:p="http://schemas.openxmlformats.org/presentationml/2006/main">
+  <p:cSld>
+    <p:spTree>
+      <p:nvGrpSpPr>
+        <p:cNvPr id="1" name=""/>
+        <p:cNvGrpSpPr/>
+        <p:nvPr/>
+      </p:nvGrpSpPr>
+      <p:grpSpPr>
+        <a:xfrm>
+          <a:off x="0" y="0"/>
+          <a:ext cx="0" cy="0"/>
+          <a:chOff x="0" y="0"/>
+          <a:chExt cx="0" cy="0"/>
+        </a:xfrm>
+      </p:grpSpPr>
+      <p:sp>
+        <p:nvSpPr>
+          <p:cNvPr id="2" name="Title 1">
+            <a:extLst>
+              <a:ext uri="{FF2B5EF4-FFF2-40B4-BE49-F238E27FC236}">
+                <a16:creationId xmlns:a16="http://schemas.microsoft.com/office/drawing/2014/main" id="{61D2589B-47C1-266A-40AF-130E85189A6B}"/>
+              </a:ext>
+            </a:extLst>
+          </p:cNvPr>
+          <p:cNvSpPr>
+            <a:spLocks noGrp="1"/>
+          </p:cNvSpPr>
+          <p:nvPr>
+            <p:ph type="title"/>
+          </p:nvPr>
+        </p:nvSpPr>
+        <p:spPr>
+          <a:xfrm>
+            <a:off x="1451579" y="804519"/>
+            <a:ext cx="2968021" cy="1049235"/>
+          </a:xfrm>
+        </p:spPr>
+        <p:txBody>
+          <a:bodyPr/>
+          <a:lstStyle/>
+          <a:p>
+            <a:r>
+              <a:rPr lang="en-US" dirty="0"/>
+              <a:t>Discreetness</a:t>
+            </a:r>
+          </a:p>
+        </p:txBody>
+      </p:sp>
+      <p:sp>
+        <p:nvSpPr>
+          <p:cNvPr id="3" name="Content Placeholder 2">
+            <a:extLst>
+              <a:ext uri="{FF2B5EF4-FFF2-40B4-BE49-F238E27FC236}">
+                <a16:creationId xmlns:a16="http://schemas.microsoft.com/office/drawing/2014/main" id="{A6B19449-E5C9-6B55-A0C0-F2C0EA6A2D57}"/>
+              </a:ext>
+            </a:extLst>
+          </p:cNvPr>
+          <p:cNvSpPr>
+            <a:spLocks noGrp="1"/>
+          </p:cNvSpPr>
+          <p:nvPr>
+            <p:ph idx="1"/>
+          </p:nvPr>
+        </p:nvSpPr>
+        <p:spPr>
+          <a:xfrm>
+            <a:off x="0" y="1853754"/>
+            <a:ext cx="6132884" cy="4199727"/>
+          </a:xfrm>
+        </p:spPr>
+        <p:txBody>
+          <a:bodyPr>
+            <a:normAutofit lnSpcReduction="10000"/>
+          </a:bodyPr>
+          <a:lstStyle/>
+          <a:p>
+            <a:r>
+              <a:rPr lang="en-US" dirty="0"/>
+              <a:t>With discreet data, those y values can be odd. </a:t>
+            </a:r>
+          </a:p>
+          <a:p>
+            <a:pPr lvl="1"/>
+            <a:r>
+              <a:rPr lang="en-US" dirty="0"/>
+              <a:t>’Area’ is not the most meaningful concept. </a:t>
+            </a:r>
+          </a:p>
+          <a:p>
+            <a:pPr lvl="1"/>
+            <a:r>
+              <a:rPr lang="en-US" dirty="0"/>
+              <a:t>Discreet data is ‘meant’ for a histogram. </a:t>
+            </a:r>
+          </a:p>
+          <a:p>
+            <a:r>
+              <a:rPr lang="en-US" dirty="0"/>
+              <a:t>Change to ‘probability’ to get something more readable. </a:t>
+            </a:r>
+          </a:p>
+          <a:p>
+            <a:pPr lvl="1"/>
+            <a:r>
+              <a:rPr lang="en-US" dirty="0"/>
+              <a:t>Height of bars sums to 1. </a:t>
+            </a:r>
+          </a:p>
+          <a:p>
+            <a:r>
+              <a:rPr lang="en-US" dirty="0"/>
+              <a:t>In practice this isn’t really an issue often.</a:t>
+            </a:r>
+          </a:p>
+          <a:p>
+            <a:pPr lvl="1"/>
+            <a:r>
+              <a:rPr lang="en-US" dirty="0"/>
+              <a:t>Only if you need to read Y value from KDE. </a:t>
+            </a:r>
+          </a:p>
+          <a:p>
+            <a:pPr lvl="1"/>
+            <a:r>
+              <a:rPr lang="en-US" dirty="0"/>
+              <a:t>Pattern, comparisons, etc.. Still work fine. </a:t>
+            </a:r>
+          </a:p>
+          <a:p>
+            <a:pPr lvl="1"/>
+            <a:r>
+              <a:rPr lang="en-US" b="1" dirty="0"/>
+              <a:t>Bigger and smoother data lessens impact. </a:t>
+            </a:r>
+          </a:p>
+          <a:p>
+            <a:r>
+              <a:rPr lang="en-US" dirty="0"/>
+              <a:t>Seaborn has a “visualizing distributions” page. </a:t>
+            </a:r>
+          </a:p>
+        </p:txBody>
+      </p:sp>
+      <p:pic>
+        <p:nvPicPr>
+          <p:cNvPr id="4" name="Picture 3">
+            <a:extLst>
+              <a:ext uri="{FF2B5EF4-FFF2-40B4-BE49-F238E27FC236}">
+                <a16:creationId xmlns:a16="http://schemas.microsoft.com/office/drawing/2014/main" id="{B651E070-22D1-F4BF-7166-7DC567863255}"/>
+              </a:ext>
+            </a:extLst>
+          </p:cNvPr>
+          <p:cNvPicPr>
+            <a:picLocks noChangeAspect="1"/>
+          </p:cNvPicPr>
+          <p:nvPr/>
+        </p:nvPicPr>
+        <p:blipFill>
+          <a:blip r:embed="rId2"/>
+          <a:stretch>
+            <a:fillRect/>
+          </a:stretch>
+        </p:blipFill>
+        <p:spPr>
+          <a:xfrm>
+            <a:off x="6132884" y="717579"/>
+            <a:ext cx="6059116" cy="4738341"/>
+          </a:xfrm>
+          <a:prstGeom prst="rect">
+            <a:avLst/>
+          </a:prstGeom>
+        </p:spPr>
+      </p:pic>
+    </p:spTree>
+    <p:extLst>
+      <p:ext uri="{BB962C8B-B14F-4D97-AF65-F5344CB8AC3E}">
+        <p14:creationId xmlns:p14="http://schemas.microsoft.com/office/powerpoint/2010/main" val="2479989442"/>
+      </p:ext>
+    </p:extLst>
+  </p:cSld>
+  <p:clrMapOvr>
+    <a:masterClrMapping/>
+  </p:clrMapOvr>
+</p:sld>
+</file>
+
+<file path=ppt/slides/slide5.xml><?xml version="1.0" encoding="utf-8"?>
+<p:sld xmlns:a="http://schemas.openxmlformats.org/drawingml/2006/main" xmlns:r="http://schemas.openxmlformats.org/officeDocument/2006/relationships" xmlns:p="http://schemas.openxmlformats.org/presentationml/2006/main">
+  <p:cSld>
+    <p:spTree>
+      <p:nvGrpSpPr>
+        <p:cNvPr id="1" name=""/>
+        <p:cNvGrpSpPr/>
+        <p:nvPr/>
+      </p:nvGrpSpPr>
+      <p:grpSpPr>
+        <a:xfrm>
+          <a:off x="0" y="0"/>
+          <a:ext cx="0" cy="0"/>
+          <a:chOff x="0" y="0"/>
+          <a:chExt cx="0" cy="0"/>
+        </a:xfrm>
+      </p:grpSpPr>
+      <p:sp>
+        <p:nvSpPr>
+          <p:cNvPr id="2" name="Title 1">
+            <a:extLst>
+              <a:ext uri="{FF2B5EF4-FFF2-40B4-BE49-F238E27FC236}">
+                <a16:creationId xmlns:a16="http://schemas.microsoft.com/office/drawing/2014/main" id="{BBC16C9E-B79D-AB5E-8508-79F50D9B320E}"/>
+              </a:ext>
+            </a:extLst>
+          </p:cNvPr>
+          <p:cNvSpPr>
+            <a:spLocks noGrp="1"/>
+          </p:cNvSpPr>
+          <p:nvPr>
+            <p:ph type="title"/>
+          </p:nvPr>
+        </p:nvSpPr>
+        <p:spPr>
+          <a:xfrm>
+            <a:off x="1451579" y="804519"/>
+            <a:ext cx="6252241" cy="1049235"/>
+          </a:xfrm>
+        </p:spPr>
+        <p:txBody>
+          <a:bodyPr/>
+          <a:lstStyle/>
+          <a:p>
+            <a:r>
+              <a:rPr lang="en-US" dirty="0"/>
+              <a:t>Review - Gradient Descent and Logistic Regression</a:t>
+            </a:r>
+          </a:p>
+        </p:txBody>
+      </p:sp>
+      <p:sp>
+        <p:nvSpPr>
+          <p:cNvPr id="3" name="Content Placeholder 2">
+            <a:extLst>
+              <a:ext uri="{FF2B5EF4-FFF2-40B4-BE49-F238E27FC236}">
+                <a16:creationId xmlns:a16="http://schemas.microsoft.com/office/drawing/2014/main" id="{51E3EC63-4186-A738-8B18-E965F1B9E3E7}"/>
+              </a:ext>
+            </a:extLst>
+          </p:cNvPr>
+          <p:cNvSpPr>
+            <a:spLocks noGrp="1"/>
+          </p:cNvSpPr>
+          <p:nvPr>
+            <p:ph idx="1"/>
+          </p:nvPr>
+        </p:nvSpPr>
+        <p:spPr>
+          <a:xfrm>
+            <a:off x="327660" y="2015732"/>
+            <a:ext cx="10727195" cy="3981208"/>
+          </a:xfrm>
+        </p:spPr>
+        <p:txBody>
+          <a:bodyPr/>
+          <a:lstStyle/>
+          <a:p>
+            <a:r>
+              <a:rPr lang="en-US" dirty="0"/>
+              <a:t>Last week we looked at classification using logistic regression. </a:t>
+            </a:r>
+          </a:p>
+          <a:p>
+            <a:pPr lvl="1"/>
+            <a:r>
+              <a:rPr lang="en-US" dirty="0"/>
+              <a:t>Instead of predicting a value we predict T/F, a class membership. </a:t>
+            </a:r>
+          </a:p>
+          <a:p>
+            <a:r>
+              <a:rPr lang="en-US" dirty="0"/>
+              <a:t>Still a linear calculation, but the details differ – need to predict probability not value. </a:t>
+            </a:r>
+          </a:p>
+          <a:p>
+            <a:pPr lvl="1"/>
+            <a:r>
+              <a:rPr lang="en-US" dirty="0"/>
+              <a:t>Uses a regression to the logit to get (something convertible to) probabilities. </a:t>
+            </a:r>
+          </a:p>
+          <a:p>
+            <a:pPr lvl="1"/>
+            <a:r>
+              <a:rPr lang="en-US" dirty="0"/>
+              <a:t>Sigmoid calculation converts any logit to a probability. </a:t>
+            </a:r>
+          </a:p>
+          <a:p>
+            <a:r>
+              <a:rPr lang="en-US" dirty="0"/>
+              <a:t>The slope and intercepts can’t be calculated directly here like with LLS. </a:t>
+            </a:r>
+          </a:p>
+          <a:p>
+            <a:pPr lvl="1"/>
+            <a:r>
+              <a:rPr lang="en-US" dirty="0"/>
+              <a:t>Need an alternative way to find best </a:t>
+            </a:r>
+            <a:r>
+              <a:rPr lang="en-US" dirty="0" err="1"/>
+              <a:t>coef</a:t>
+            </a:r>
+            <a:r>
+              <a:rPr lang="en-US" dirty="0"/>
+              <a:t> – gradient descent. </a:t>
+            </a:r>
+          </a:p>
+          <a:p>
+            <a:pPr lvl="1"/>
+            <a:r>
+              <a:rPr lang="en-US" dirty="0"/>
+              <a:t>Guess some coefficients, calculate cost, adjust </a:t>
+            </a:r>
+            <a:r>
+              <a:rPr lang="en-US" dirty="0" err="1"/>
+              <a:t>coef</a:t>
+            </a:r>
+            <a:r>
+              <a:rPr lang="en-US" dirty="0"/>
+              <a:t> (using gradient), repeat until done. </a:t>
+            </a:r>
+          </a:p>
+          <a:p>
+            <a:pPr lvl="1"/>
+            <a:r>
+              <a:rPr lang="en-US" dirty="0"/>
+              <a:t>This process is very common, coefficients can rarely be directly calculated. </a:t>
+            </a:r>
+          </a:p>
+        </p:txBody>
+      </p:sp>
+      <p:pic>
+        <p:nvPicPr>
+          <p:cNvPr id="3074" name="Picture 2" descr="A Beginners Guide to Gradient Descent Algorithm for Data Scientists!">
+            <a:extLst>
+              <a:ext uri="{FF2B5EF4-FFF2-40B4-BE49-F238E27FC236}">
+                <a16:creationId xmlns:a16="http://schemas.microsoft.com/office/drawing/2014/main" id="{D781402D-BF2D-6CDB-E1B2-1503F49C18B0}"/>
+              </a:ext>
+            </a:extLst>
+          </p:cNvPr>
+          <p:cNvPicPr>
+            <a:picLocks noChangeAspect="1" noChangeArrowheads="1"/>
+          </p:cNvPicPr>
+          <p:nvPr/>
+        </p:nvPicPr>
+        <p:blipFill>
+          <a:blip r:embed="rId2">
+            <a:extLst>
+              <a:ext uri="{28A0092B-C50C-407E-A947-70E740481C1C}">
+                <a14:useLocalDpi xmlns:a14="http://schemas.microsoft.com/office/drawing/2010/main" val="0"/>
+              </a:ext>
+            </a:extLst>
+          </a:blip>
+          <a:srcRect/>
+          <a:stretch>
+            <a:fillRect/>
+          </a:stretch>
+        </p:blipFill>
+        <p:spPr bwMode="auto">
+          <a:xfrm>
+            <a:off x="7746351" y="132098"/>
+            <a:ext cx="4445649" cy="2771121"/>
+          </a:xfrm>
+          <a:prstGeom prst="rect">
+            <a:avLst/>
+          </a:prstGeom>
+          <a:noFill/>
+          <a:extLst>
+            <a:ext uri="{909E8E84-426E-40DD-AFC4-6F175D3DCCD1}">
+              <a14:hiddenFill xmlns:a14="http://schemas.microsoft.com/office/drawing/2010/main">
+                <a:solidFill>
+                  <a:srgbClr val="FFFFFF"/>
+                </a:solidFill>
+              </a14:hiddenFill>
+            </a:ext>
+          </a:extLst>
+        </p:spPr>
+      </p:pic>
+      <p:pic>
+        <p:nvPicPr>
+          <p:cNvPr id="3076" name="Picture 4" descr="Logistic Regression">
+            <a:extLst>
+              <a:ext uri="{FF2B5EF4-FFF2-40B4-BE49-F238E27FC236}">
+                <a16:creationId xmlns:a16="http://schemas.microsoft.com/office/drawing/2014/main" id="{2AA27453-B847-AD5C-4877-5ED568E5E049}"/>
+              </a:ext>
+            </a:extLst>
+          </p:cNvPr>
+          <p:cNvPicPr>
+            <a:picLocks noChangeAspect="1" noChangeArrowheads="1"/>
+          </p:cNvPicPr>
+          <p:nvPr/>
+        </p:nvPicPr>
+        <p:blipFill>
+          <a:blip r:embed="rId3">
+            <a:extLst>
+              <a:ext uri="{28A0092B-C50C-407E-A947-70E740481C1C}">
+                <a14:useLocalDpi xmlns:a14="http://schemas.microsoft.com/office/drawing/2010/main" val="0"/>
+              </a:ext>
+            </a:extLst>
+          </a:blip>
+          <a:srcRect/>
+          <a:stretch>
+            <a:fillRect/>
+          </a:stretch>
+        </p:blipFill>
+        <p:spPr bwMode="auto">
+          <a:xfrm>
+            <a:off x="9311640" y="3063239"/>
+            <a:ext cx="2880361" cy="3040381"/>
+          </a:xfrm>
+          <a:prstGeom prst="rect">
+            <a:avLst/>
+          </a:prstGeom>
+          <a:noFill/>
+          <a:extLst>
+            <a:ext uri="{909E8E84-426E-40DD-AFC4-6F175D3DCCD1}">
+              <a14:hiddenFill xmlns:a14="http://schemas.microsoft.com/office/drawing/2010/main">
+                <a:solidFill>
+                  <a:srgbClr val="FFFFFF"/>
+                </a:solidFill>
+              </a14:hiddenFill>
+            </a:ext>
+          </a:extLst>
+        </p:spPr>
+      </p:pic>
+    </p:spTree>
+    <p:extLst>
+      <p:ext uri="{BB962C8B-B14F-4D97-AF65-F5344CB8AC3E}">
+        <p14:creationId xmlns:p14="http://schemas.microsoft.com/office/powerpoint/2010/main" val="1557148674"/>
+      </p:ext>
+    </p:extLst>
+  </p:cSld>
+  <p:clrMapOvr>
+    <a:masterClrMapping/>
+  </p:clrMapOvr>
+</p:sld>
+</file>
+
+<file path=ppt/slides/slide6.xml><?xml version="1.0" encoding="utf-8"?>
+<p:sld xmlns:a="http://schemas.openxmlformats.org/drawingml/2006/main" xmlns:r="http://schemas.openxmlformats.org/officeDocument/2006/relationships" xmlns:p="http://schemas.openxmlformats.org/presentationml/2006/main">
+  <p:cSld>
+    <p:spTree>
+      <p:nvGrpSpPr>
+        <p:cNvPr id="1" name=""/>
+        <p:cNvGrpSpPr/>
+        <p:nvPr/>
+      </p:nvGrpSpPr>
+      <p:grpSpPr>
+        <a:xfrm>
+          <a:off x="0" y="0"/>
+          <a:ext cx="0" cy="0"/>
+          <a:chOff x="0" y="0"/>
+          <a:chExt cx="0" cy="0"/>
+        </a:xfrm>
+      </p:grpSpPr>
+      <p:sp>
+        <p:nvSpPr>
+          <p:cNvPr id="2" name="Title 1">
+            <a:extLst>
+              <a:ext uri="{FF2B5EF4-FFF2-40B4-BE49-F238E27FC236}">
+                <a16:creationId xmlns:a16="http://schemas.microsoft.com/office/drawing/2014/main" id="{DBADC23E-81B1-D949-ED13-5AA32B801B31}"/>
+              </a:ext>
+            </a:extLst>
+          </p:cNvPr>
+          <p:cNvSpPr>
+            <a:spLocks noGrp="1"/>
+          </p:cNvSpPr>
+          <p:nvPr>
+            <p:ph type="title"/>
+          </p:nvPr>
+        </p:nvSpPr>
+        <p:spPr>
+          <a:xfrm>
+            <a:off x="1451579" y="1"/>
+            <a:ext cx="9603275" cy="708659"/>
+          </a:xfrm>
+        </p:spPr>
+        <p:txBody>
+          <a:bodyPr/>
+          <a:lstStyle/>
+          <a:p>
+            <a:r>
+              <a:rPr lang="en-US" dirty="0"/>
+              <a:t>At bottom of Logistic Regression Code</a:t>
+            </a:r>
+          </a:p>
+        </p:txBody>
+      </p:sp>
+      <p:sp>
+        <p:nvSpPr>
+          <p:cNvPr id="3" name="Content Placeholder 2">
+            <a:extLst>
+              <a:ext uri="{FF2B5EF4-FFF2-40B4-BE49-F238E27FC236}">
+                <a16:creationId xmlns:a16="http://schemas.microsoft.com/office/drawing/2014/main" id="{05452937-88E5-8960-688A-42135C3CB740}"/>
+              </a:ext>
+            </a:extLst>
+          </p:cNvPr>
+          <p:cNvSpPr>
+            <a:spLocks noGrp="1"/>
+          </p:cNvSpPr>
+          <p:nvPr>
+            <p:ph idx="1"/>
+          </p:nvPr>
+        </p:nvSpPr>
+        <p:spPr/>
+        <p:txBody>
+          <a:bodyPr/>
+          <a:lstStyle/>
+          <a:p>
+            <a:endParaRPr lang="en-US"/>
+          </a:p>
+        </p:txBody>
+      </p:sp>
+      <p:pic>
+        <p:nvPicPr>
+          <p:cNvPr id="6" name="Picture 5">
+            <a:extLst>
+              <a:ext uri="{FF2B5EF4-FFF2-40B4-BE49-F238E27FC236}">
+                <a16:creationId xmlns:a16="http://schemas.microsoft.com/office/drawing/2014/main" id="{4B3016EB-70FA-7AC3-CA72-EF73322A694F}"/>
+              </a:ext>
+            </a:extLst>
+          </p:cNvPr>
+          <p:cNvPicPr>
+            <a:picLocks noChangeAspect="1"/>
+          </p:cNvPicPr>
+          <p:nvPr/>
+        </p:nvPicPr>
+        <p:blipFill>
+          <a:blip r:embed="rId2"/>
+          <a:stretch>
+            <a:fillRect/>
+          </a:stretch>
+        </p:blipFill>
+        <p:spPr>
+          <a:xfrm>
+            <a:off x="0" y="605590"/>
+            <a:ext cx="12183342" cy="5642810"/>
+          </a:xfrm>
+          <a:prstGeom prst="rect">
+            <a:avLst/>
+          </a:prstGeom>
+        </p:spPr>
+      </p:pic>
+    </p:spTree>
+    <p:extLst>
+      <p:ext uri="{BB962C8B-B14F-4D97-AF65-F5344CB8AC3E}">
+        <p14:creationId xmlns:p14="http://schemas.microsoft.com/office/powerpoint/2010/main" val="3758841877"/>
+      </p:ext>
+    </p:extLst>
+  </p:cSld>
+  <p:clrMapOvr>
+    <a:masterClrMapping/>
+  </p:clrMapOvr>
+</p:sld>
+</file>
+
+<file path=ppt/slides/slide7.xml><?xml version="1.0" encoding="utf-8"?>
+<p:sld xmlns:a="http://schemas.openxmlformats.org/drawingml/2006/main" xmlns:r="http://schemas.openxmlformats.org/officeDocument/2006/relationships" xmlns:p="http://schemas.openxmlformats.org/presentationml/2006/main">
+  <p:cSld>
+    <p:spTree>
+      <p:nvGrpSpPr>
+        <p:cNvPr id="1" name=""/>
+        <p:cNvGrpSpPr/>
+        <p:nvPr/>
+      </p:nvGrpSpPr>
+      <p:grpSpPr>
+        <a:xfrm>
+          <a:off x="0" y="0"/>
+          <a:ext cx="0" cy="0"/>
+          <a:chOff x="0" y="0"/>
+          <a:chExt cx="0" cy="0"/>
+        </a:xfrm>
+      </p:grpSpPr>
+      <p:sp>
+        <p:nvSpPr>
+          <p:cNvPr id="2" name="Title 1">
+            <a:extLst>
+              <a:ext uri="{FF2B5EF4-FFF2-40B4-BE49-F238E27FC236}">
+                <a16:creationId xmlns:a16="http://schemas.microsoft.com/office/drawing/2014/main" id="{B3895D26-77CB-5048-8DE4-A9B849C711E7}"/>
+              </a:ext>
+            </a:extLst>
+          </p:cNvPr>
+          <p:cNvSpPr>
+            <a:spLocks noGrp="1"/>
+          </p:cNvSpPr>
+          <p:nvPr>
+            <p:ph type="ctrTitle"/>
+          </p:nvPr>
+        </p:nvSpPr>
+        <p:spPr/>
+        <p:txBody>
+          <a:bodyPr/>
+          <a:lstStyle/>
+          <a:p>
+            <a:r>
+              <a:rPr lang="en-US" dirty="0"/>
+              <a:t>Naïve Bayes</a:t>
+            </a:r>
+          </a:p>
+        </p:txBody>
+      </p:sp>
+      <p:sp>
+        <p:nvSpPr>
+          <p:cNvPr id="3" name="Subtitle 2">
+            <a:extLst>
+              <a:ext uri="{FF2B5EF4-FFF2-40B4-BE49-F238E27FC236}">
+                <a16:creationId xmlns:a16="http://schemas.microsoft.com/office/drawing/2014/main" id="{A780B032-B292-674D-855C-81EE4ADE6150}"/>
+              </a:ext>
+            </a:extLst>
+          </p:cNvPr>
+          <p:cNvSpPr>
+            <a:spLocks noGrp="1"/>
+          </p:cNvSpPr>
+          <p:nvPr>
+            <p:ph type="subTitle" idx="1"/>
+          </p:nvPr>
+        </p:nvSpPr>
+        <p:spPr/>
+        <p:txBody>
+          <a:bodyPr/>
+          <a:lstStyle/>
+          <a:p>
+            <a:endParaRPr lang="en-US"/>
+          </a:p>
+        </p:txBody>
+      </p:sp>
+    </p:spTree>
+    <p:extLst>
+      <p:ext uri="{BB962C8B-B14F-4D97-AF65-F5344CB8AC3E}">
+        <p14:creationId xmlns:p14="http://schemas.microsoft.com/office/powerpoint/2010/main" val="103797951"/>
+      </p:ext>
+    </p:extLst>
+  </p:cSld>
+  <p:clrMapOvr>
+    <a:masterClrMapping/>
+  </p:clrMapOvr>
+</p:sld>
+</file>
+
+<file path=ppt/slides/slide8.xml><?xml version="1.0" encoding="utf-8"?>
+<p:sld xmlns:a="http://schemas.openxmlformats.org/drawingml/2006/main" xmlns:r="http://schemas.openxmlformats.org/officeDocument/2006/relationships" xmlns:p="http://schemas.openxmlformats.org/presentationml/2006/main">
+  <p:cSld>
+    <p:spTree>
+      <p:nvGrpSpPr>
+        <p:cNvPr id="1" name=""/>
+        <p:cNvGrpSpPr/>
+        <p:nvPr/>
+      </p:nvGrpSpPr>
+      <p:grpSpPr>
+        <a:xfrm>
+          <a:off x="0" y="0"/>
+          <a:ext cx="0" cy="0"/>
+          <a:chOff x="0" y="0"/>
+          <a:chExt cx="0" cy="0"/>
+        </a:xfrm>
+      </p:grpSpPr>
+      <p:sp>
+        <p:nvSpPr>
+          <p:cNvPr id="2" name="Title 1">
+            <a:extLst>
+              <a:ext uri="{FF2B5EF4-FFF2-40B4-BE49-F238E27FC236}">
+                <a16:creationId xmlns:a16="http://schemas.microsoft.com/office/drawing/2014/main" id="{0E22FC0B-61AD-1F6E-3C66-FF8CAE0E2AD4}"/>
+              </a:ext>
+            </a:extLst>
+          </p:cNvPr>
+          <p:cNvSpPr>
+            <a:spLocks noGrp="1"/>
+          </p:cNvSpPr>
+          <p:nvPr>
+            <p:ph type="title"/>
+          </p:nvPr>
+        </p:nvSpPr>
+        <p:spPr/>
+        <p:txBody>
+          <a:bodyPr/>
+          <a:lstStyle/>
+          <a:p>
+            <a:r>
+              <a:rPr lang="en-US" dirty="0"/>
+              <a:t>Probability – Remember it!</a:t>
+            </a:r>
+          </a:p>
+        </p:txBody>
+      </p:sp>
+      <p:sp>
+        <p:nvSpPr>
+          <p:cNvPr id="3" name="Content Placeholder 2">
+            <a:extLst>
+              <a:ext uri="{FF2B5EF4-FFF2-40B4-BE49-F238E27FC236}">
+                <a16:creationId xmlns:a16="http://schemas.microsoft.com/office/drawing/2014/main" id="{FCF803DB-F57D-5E3B-58C8-97671A475C9F}"/>
+              </a:ext>
+            </a:extLst>
+          </p:cNvPr>
+          <p:cNvSpPr>
+            <a:spLocks noGrp="1"/>
+          </p:cNvSpPr>
+          <p:nvPr>
+            <p:ph idx="1"/>
+          </p:nvPr>
+        </p:nvSpPr>
+        <p:spPr>
+          <a:xfrm>
+            <a:off x="1451579" y="1912620"/>
+            <a:ext cx="9603275" cy="4140861"/>
+          </a:xfrm>
+        </p:spPr>
+        <p:txBody>
+          <a:bodyPr>
+            <a:normAutofit lnSpcReduction="10000"/>
+          </a:bodyPr>
+          <a:lstStyle/>
+          <a:p>
+            <a:r>
+              <a:rPr lang="en-US" dirty="0"/>
+              <a:t>Recall the idea of probability. </a:t>
+            </a:r>
+          </a:p>
+          <a:p>
+            <a:pPr lvl="1"/>
+            <a:r>
+              <a:rPr lang="en-US" dirty="0"/>
+              <a:t>P(A) – what is the likelihood that A will happen. </a:t>
+            </a:r>
+          </a:p>
+          <a:p>
+            <a:r>
+              <a:rPr lang="en-US" dirty="0"/>
+              <a:t>Probability comes up directly in several inferential things:</a:t>
+            </a:r>
+          </a:p>
+          <a:p>
+            <a:pPr lvl="1"/>
+            <a:r>
+              <a:rPr lang="en-US" dirty="0"/>
+              <a:t>Monte </a:t>
+            </a:r>
+            <a:r>
+              <a:rPr lang="en-US" dirty="0" err="1"/>
+              <a:t>carlo</a:t>
+            </a:r>
+            <a:r>
+              <a:rPr lang="en-US" dirty="0"/>
+              <a:t> simulation and hypothesis testing. </a:t>
+            </a:r>
+          </a:p>
+          <a:p>
+            <a:pPr lvl="1"/>
+            <a:r>
+              <a:rPr lang="en-US" dirty="0"/>
+              <a:t>Odds and logit for gradient descent and logistic regression. </a:t>
+            </a:r>
+          </a:p>
+          <a:p>
+            <a:r>
+              <a:rPr lang="en-US" dirty="0"/>
+              <a:t>We can understand all* of the stats we’ve done from the perspective of probability. </a:t>
+            </a:r>
+          </a:p>
+          <a:p>
+            <a:pPr lvl="1"/>
+            <a:r>
+              <a:rPr lang="en-US" dirty="0"/>
+              <a:t>We track what happens in data. </a:t>
+            </a:r>
+          </a:p>
+          <a:p>
+            <a:pPr lvl="1"/>
+            <a:r>
+              <a:rPr lang="en-US" dirty="0"/>
+              <a:t>These happenings can be converted into probabilities. </a:t>
+            </a:r>
+          </a:p>
+          <a:p>
+            <a:pPr lvl="1"/>
+            <a:r>
+              <a:rPr lang="en-US" dirty="0"/>
+              <a:t>Bayesian statistics explains the ideas we’ve covered, but looking at probability. </a:t>
+            </a:r>
+          </a:p>
+          <a:p>
+            <a:r>
+              <a:rPr lang="en-US" dirty="0"/>
+              <a:t>Log. Reg. Classification models predict the probability something will happen!</a:t>
+            </a:r>
+          </a:p>
+        </p:txBody>
+      </p:sp>
+    </p:spTree>
+    <p:extLst>
+      <p:ext uri="{BB962C8B-B14F-4D97-AF65-F5344CB8AC3E}">
+        <p14:creationId xmlns:p14="http://schemas.microsoft.com/office/powerpoint/2010/main" val="851535766"/>
+      </p:ext>
+    </p:extLst>
+  </p:cSld>
+  <p:clrMapOvr>
+    <a:masterClrMapping/>
+  </p:clrMapOvr>
+</p:sld>
+</file>
+
+<file path=ppt/slides/slide9.xml><?xml version="1.0" encoding="utf-8"?>
+<p:sld xmlns:a="http://schemas.openxmlformats.org/drawingml/2006/main" xmlns:r="http://schemas.openxmlformats.org/officeDocument/2006/relationships" xmlns:p="http://schemas.openxmlformats.org/presentationml/2006/main" show="0">
+  <p:cSld>
+    <p:spTree>
+      <p:nvGrpSpPr>
+        <p:cNvPr id="1" name=""/>
+        <p:cNvGrpSpPr/>
+        <p:nvPr/>
+      </p:nvGrpSpPr>
+      <p:grpSpPr>
+        <a:xfrm>
+          <a:off x="0" y="0"/>
+          <a:ext cx="0" cy="0"/>
+          <a:chOff x="0" y="0"/>
+          <a:chExt cx="0" cy="0"/>
+        </a:xfrm>
+      </p:grpSpPr>
+      <p:sp>
+        <p:nvSpPr>
+          <p:cNvPr id="2" name="Title 1">
+            <a:extLst>
+              <a:ext uri="{FF2B5EF4-FFF2-40B4-BE49-F238E27FC236}">
+                <a16:creationId xmlns:a16="http://schemas.microsoft.com/office/drawing/2014/main" id="{C350A8CB-103E-B491-DBA9-1234FE730BF2}"/>
+              </a:ext>
+            </a:extLst>
+          </p:cNvPr>
+          <p:cNvSpPr>
+            <a:spLocks noGrp="1"/>
+          </p:cNvSpPr>
+          <p:nvPr>
+            <p:ph type="title"/>
+          </p:nvPr>
+        </p:nvSpPr>
+        <p:spPr/>
+        <p:txBody>
+          <a:bodyPr/>
+          <a:lstStyle/>
+          <a:p>
+            <a:r>
+              <a:rPr lang="en-US" dirty="0"/>
+              <a:t>Note on Features </a:t>
+            </a:r>
+          </a:p>
+        </p:txBody>
+      </p:sp>
+      <p:sp>
+        <p:nvSpPr>
+          <p:cNvPr id="3" name="Content Placeholder 2">
+            <a:extLst>
+              <a:ext uri="{FF2B5EF4-FFF2-40B4-BE49-F238E27FC236}">
+                <a16:creationId xmlns:a16="http://schemas.microsoft.com/office/drawing/2014/main" id="{D46B6B3F-F17C-A75A-D035-14381BBCE32A}"/>
+              </a:ext>
+            </a:extLst>
+          </p:cNvPr>
+          <p:cNvSpPr>
+            <a:spLocks noGrp="1"/>
+          </p:cNvSpPr>
+          <p:nvPr>
+            <p:ph idx="1"/>
+          </p:nvPr>
+        </p:nvSpPr>
+        <p:spPr>
+          <a:xfrm>
+            <a:off x="1451579" y="1853754"/>
+            <a:ext cx="9603275" cy="4199727"/>
+          </a:xfrm>
+        </p:spPr>
+        <p:txBody>
+          <a:bodyPr/>
+          <a:lstStyle/>
+          <a:p>
+            <a:r>
+              <a:rPr lang="en-US" dirty="0"/>
+              <a:t>In this stuff we’ll use totally categorical data. </a:t>
+            </a:r>
+          </a:p>
+          <a:p>
+            <a:pPr lvl="1"/>
+            <a:r>
+              <a:rPr lang="en-US" dirty="0"/>
+              <a:t>Classification of categorical target. </a:t>
+            </a:r>
+          </a:p>
+          <a:p>
+            <a:pPr lvl="1"/>
+            <a:r>
+              <a:rPr lang="en-US" dirty="0"/>
+              <a:t>Features are all categorical. </a:t>
+            </a:r>
+          </a:p>
+          <a:p>
+            <a:r>
+              <a:rPr lang="en-US" dirty="0"/>
+              <a:t>We </a:t>
+            </a:r>
+            <a:r>
+              <a:rPr lang="en-US" i="1" dirty="0"/>
+              <a:t>can</a:t>
+            </a:r>
+            <a:r>
+              <a:rPr lang="en-US" dirty="0"/>
+              <a:t> use numeric features, but we won’t now. </a:t>
+            </a:r>
+          </a:p>
+          <a:p>
+            <a:pPr lvl="1"/>
+            <a:r>
+              <a:rPr lang="en-US" dirty="0"/>
+              <a:t>Practically, this is very easy to do, follows most sklearn conventions. </a:t>
+            </a:r>
+          </a:p>
+          <a:p>
+            <a:pPr lvl="1"/>
+            <a:r>
+              <a:rPr lang="en-US" dirty="0"/>
+              <a:t>Several model types just make more sense to explain with one or the other. </a:t>
+            </a:r>
+          </a:p>
+          <a:p>
+            <a:r>
+              <a:rPr lang="en-US" dirty="0"/>
+              <a:t>This is one where the model assumes normal distribution of features. </a:t>
+            </a:r>
+          </a:p>
+          <a:p>
+            <a:pPr lvl="1"/>
+            <a:r>
+              <a:rPr lang="en-US" dirty="0"/>
+              <a:t>Probability calculations are similar to hypothesis test probabilities. </a:t>
+            </a:r>
+          </a:p>
+          <a:p>
+            <a:pPr lvl="1"/>
+            <a:r>
+              <a:rPr lang="en-US" dirty="0"/>
+              <a:t>The closer the features are to normal, the better the results. </a:t>
+            </a:r>
+          </a:p>
+        </p:txBody>
+      </p:sp>
+      <p:pic>
+        <p:nvPicPr>
+          <p:cNvPr id="1026" name="Picture 2" descr="Gaussian Naive Bayes - GeeksforGeeks">
+            <a:extLst>
+              <a:ext uri="{FF2B5EF4-FFF2-40B4-BE49-F238E27FC236}">
+                <a16:creationId xmlns:a16="http://schemas.microsoft.com/office/drawing/2014/main" id="{33BDC3CA-1B3E-CF82-C90A-05DF2F13B97B}"/>
+              </a:ext>
+            </a:extLst>
+          </p:cNvPr>
+          <p:cNvPicPr>
+            <a:picLocks noChangeAspect="1" noChangeArrowheads="1"/>
+          </p:cNvPicPr>
+          <p:nvPr/>
+        </p:nvPicPr>
+        <p:blipFill rotWithShape="1">
+          <a:blip r:embed="rId2">
+            <a:extLst>
+              <a:ext uri="{28A0092B-C50C-407E-A947-70E740481C1C}">
+                <a14:useLocalDpi xmlns:a14="http://schemas.microsoft.com/office/drawing/2010/main" val="0"/>
+              </a:ext>
+            </a:extLst>
+          </a:blip>
+          <a:srcRect l="6236" r="4288"/>
+          <a:stretch>
+            <a:fillRect/>
+          </a:stretch>
+        </p:blipFill>
+        <p:spPr bwMode="auto">
+          <a:xfrm>
+            <a:off x="6705331" y="0"/>
+            <a:ext cx="5486669" cy="3066011"/>
+          </a:xfrm>
+          <a:prstGeom prst="rect">
+            <a:avLst/>
+          </a:prstGeom>
+          <a:noFill/>
+          <a:extLst>
+            <a:ext uri="{909E8E84-426E-40DD-AFC4-6F175D3DCCD1}">
+              <a14:hiddenFill xmlns:a14="http://schemas.microsoft.com/office/drawing/2010/main">
+                <a:solidFill>
+                  <a:srgbClr val="FFFFFF"/>
+                </a:solidFill>
+              </a14:hiddenFill>
+            </a:ext>
+          </a:extLst>
+        </p:spPr>
+      </p:pic>
+    </p:spTree>
+    <p:extLst>
+      <p:ext uri="{BB962C8B-B14F-4D97-AF65-F5344CB8AC3E}">
+        <p14:creationId xmlns:p14="http://schemas.microsoft.com/office/powerpoint/2010/main" val="1072223588"/>
       </p:ext>
     </p:extLst>
   </p:cSld>
